--- a/ppt 16-9/0911.一同跟主走天涯.pptx
+++ b/ppt 16-9/0911.一同跟主走天涯.pptx
@@ -5,7 +5,7 @@
     <p:sldMasterId id="2147483648" r:id="rId1"/>
   </p:sldMasterIdLst>
   <p:sldIdLst>
-    <p:sldId id="270" r:id="rId2"/>
+    <p:sldId id="271" r:id="rId2"/>
   </p:sldIdLst>
   <p:sldSz cx="12192000" cy="6858000"/>
   <p:notesSz cx="6858000" cy="9144000"/>
@@ -129,7 +129,7 @@
           <p:cNvPr id="2" name="标题 1">
             <a:extLst>
               <a:ext uri="{FF2B5EF4-FFF2-40B4-BE49-F238E27FC236}">
-                <a16:creationId xmlns:a16="http://schemas.microsoft.com/office/drawing/2014/main" id="{4EEE14EE-F0BB-AC2E-E4B8-5EB8FB0D91E3}"/>
+                <a16:creationId xmlns:a16="http://schemas.microsoft.com/office/drawing/2014/main" id="{D787C79C-F6EF-6D06-9E4C-FA913B16B2A5}"/>
               </a:ext>
             </a:extLst>
           </p:cNvPr>
@@ -166,7 +166,7 @@
           <p:cNvPr id="3" name="副标题 2">
             <a:extLst>
               <a:ext uri="{FF2B5EF4-FFF2-40B4-BE49-F238E27FC236}">
-                <a16:creationId xmlns:a16="http://schemas.microsoft.com/office/drawing/2014/main" id="{103AD1FD-27DE-15B7-18D4-8EA4CADA3D6A}"/>
+                <a16:creationId xmlns:a16="http://schemas.microsoft.com/office/drawing/2014/main" id="{66377925-17CC-12A3-D7AF-A22FAC418054}"/>
               </a:ext>
             </a:extLst>
           </p:cNvPr>
@@ -236,7 +236,7 @@
           <p:cNvPr id="4" name="日期占位符 3">
             <a:extLst>
               <a:ext uri="{FF2B5EF4-FFF2-40B4-BE49-F238E27FC236}">
-                <a16:creationId xmlns:a16="http://schemas.microsoft.com/office/drawing/2014/main" id="{3B25AEC0-F618-56F3-5004-BCC14DE795CD}"/>
+                <a16:creationId xmlns:a16="http://schemas.microsoft.com/office/drawing/2014/main" id="{E349B8DB-0A93-2626-7CE2-4D5C9F3809B5}"/>
               </a:ext>
             </a:extLst>
           </p:cNvPr>
@@ -252,7 +252,7 @@
           <a:bodyPr/>
           <a:lstStyle/>
           <a:p>
-            <a:fld id="{8F97EA2F-B7FB-4BA1-BCA8-8832E77B0A9D}" type="datetimeFigureOut">
+            <a:fld id="{787206B7-940D-418D-BFE2-899F3E3DF07E}" type="datetimeFigureOut">
               <a:rPr lang="zh-CN" altLang="en-US" smtClean="0"/>
               <a:t>2024/3/10</a:t>
             </a:fld>
@@ -265,7 +265,7 @@
           <p:cNvPr id="5" name="页脚占位符 4">
             <a:extLst>
               <a:ext uri="{FF2B5EF4-FFF2-40B4-BE49-F238E27FC236}">
-                <a16:creationId xmlns:a16="http://schemas.microsoft.com/office/drawing/2014/main" id="{0051BDDC-BA60-BE9A-76C1-3AE0CFED6FA3}"/>
+                <a16:creationId xmlns:a16="http://schemas.microsoft.com/office/drawing/2014/main" id="{70755C5D-1F22-C94E-2B22-4F2CC0A3A49F}"/>
               </a:ext>
             </a:extLst>
           </p:cNvPr>
@@ -290,7 +290,7 @@
           <p:cNvPr id="6" name="灯片编号占位符 5">
             <a:extLst>
               <a:ext uri="{FF2B5EF4-FFF2-40B4-BE49-F238E27FC236}">
-                <a16:creationId xmlns:a16="http://schemas.microsoft.com/office/drawing/2014/main" id="{5A6FBF58-AF7A-591D-ECF8-4218AC6FD561}"/>
+                <a16:creationId xmlns:a16="http://schemas.microsoft.com/office/drawing/2014/main" id="{F03E934D-F430-1980-A365-763BD990A514}"/>
               </a:ext>
             </a:extLst>
           </p:cNvPr>
@@ -306,7 +306,7 @@
           <a:bodyPr/>
           <a:lstStyle/>
           <a:p>
-            <a:fld id="{C3E81ABA-02B2-4196-94A4-8A23C125FFE7}" type="slidenum">
+            <a:fld id="{6BF3B9A2-9411-4950-988E-8B4CFA1DD180}" type="slidenum">
               <a:rPr lang="zh-CN" altLang="en-US" smtClean="0"/>
               <a:t>‹#›</a:t>
             </a:fld>
@@ -317,7 +317,7 @@
     </p:spTree>
     <p:extLst>
       <p:ext uri="{BB962C8B-B14F-4D97-AF65-F5344CB8AC3E}">
-        <p14:creationId xmlns:p14="http://schemas.microsoft.com/office/powerpoint/2010/main" val="1033211962"/>
+        <p14:creationId xmlns:p14="http://schemas.microsoft.com/office/powerpoint/2010/main" val="1103346813"/>
       </p:ext>
     </p:extLst>
   </p:cSld>
@@ -349,7 +349,7 @@
           <p:cNvPr id="2" name="标题 1">
             <a:extLst>
               <a:ext uri="{FF2B5EF4-FFF2-40B4-BE49-F238E27FC236}">
-                <a16:creationId xmlns:a16="http://schemas.microsoft.com/office/drawing/2014/main" id="{58C76D66-07D6-81CB-D8B9-1B2E3DECC794}"/>
+                <a16:creationId xmlns:a16="http://schemas.microsoft.com/office/drawing/2014/main" id="{5B2E748A-6881-F6FC-2E8F-150781CFE677}"/>
               </a:ext>
             </a:extLst>
           </p:cNvPr>
@@ -377,7 +377,7 @@
           <p:cNvPr id="3" name="竖排文字占位符 2">
             <a:extLst>
               <a:ext uri="{FF2B5EF4-FFF2-40B4-BE49-F238E27FC236}">
-                <a16:creationId xmlns:a16="http://schemas.microsoft.com/office/drawing/2014/main" id="{2243678B-1140-A341-2947-7F9A858C8850}"/>
+                <a16:creationId xmlns:a16="http://schemas.microsoft.com/office/drawing/2014/main" id="{E02F158E-1462-7F08-A648-154297A9F1A9}"/>
               </a:ext>
             </a:extLst>
           </p:cNvPr>
@@ -434,7 +434,7 @@
           <p:cNvPr id="4" name="日期占位符 3">
             <a:extLst>
               <a:ext uri="{FF2B5EF4-FFF2-40B4-BE49-F238E27FC236}">
-                <a16:creationId xmlns:a16="http://schemas.microsoft.com/office/drawing/2014/main" id="{83B00764-1331-F85F-7DDD-8BA5DA741CE5}"/>
+                <a16:creationId xmlns:a16="http://schemas.microsoft.com/office/drawing/2014/main" id="{63ADCE2A-CD86-8081-4B29-D059B1B4C602}"/>
               </a:ext>
             </a:extLst>
           </p:cNvPr>
@@ -450,7 +450,7 @@
           <a:bodyPr/>
           <a:lstStyle/>
           <a:p>
-            <a:fld id="{8F97EA2F-B7FB-4BA1-BCA8-8832E77B0A9D}" type="datetimeFigureOut">
+            <a:fld id="{787206B7-940D-418D-BFE2-899F3E3DF07E}" type="datetimeFigureOut">
               <a:rPr lang="zh-CN" altLang="en-US" smtClean="0"/>
               <a:t>2024/3/10</a:t>
             </a:fld>
@@ -463,7 +463,7 @@
           <p:cNvPr id="5" name="页脚占位符 4">
             <a:extLst>
               <a:ext uri="{FF2B5EF4-FFF2-40B4-BE49-F238E27FC236}">
-                <a16:creationId xmlns:a16="http://schemas.microsoft.com/office/drawing/2014/main" id="{22DAFECE-E661-D1AD-2C09-0FC541628DD6}"/>
+                <a16:creationId xmlns:a16="http://schemas.microsoft.com/office/drawing/2014/main" id="{7FD59C61-3D10-25D5-2736-7CD48AD195CE}"/>
               </a:ext>
             </a:extLst>
           </p:cNvPr>
@@ -488,7 +488,7 @@
           <p:cNvPr id="6" name="灯片编号占位符 5">
             <a:extLst>
               <a:ext uri="{FF2B5EF4-FFF2-40B4-BE49-F238E27FC236}">
-                <a16:creationId xmlns:a16="http://schemas.microsoft.com/office/drawing/2014/main" id="{E37AC3DB-CB50-F9B7-78D6-FB6818D40CA6}"/>
+                <a16:creationId xmlns:a16="http://schemas.microsoft.com/office/drawing/2014/main" id="{A1D81CCE-C19E-BAA3-C8D4-61DEDF44CDD4}"/>
               </a:ext>
             </a:extLst>
           </p:cNvPr>
@@ -504,7 +504,7 @@
           <a:bodyPr/>
           <a:lstStyle/>
           <a:p>
-            <a:fld id="{C3E81ABA-02B2-4196-94A4-8A23C125FFE7}" type="slidenum">
+            <a:fld id="{6BF3B9A2-9411-4950-988E-8B4CFA1DD180}" type="slidenum">
               <a:rPr lang="zh-CN" altLang="en-US" smtClean="0"/>
               <a:t>‹#›</a:t>
             </a:fld>
@@ -515,7 +515,7 @@
     </p:spTree>
     <p:extLst>
       <p:ext uri="{BB962C8B-B14F-4D97-AF65-F5344CB8AC3E}">
-        <p14:creationId xmlns:p14="http://schemas.microsoft.com/office/powerpoint/2010/main" val="2292677500"/>
+        <p14:creationId xmlns:p14="http://schemas.microsoft.com/office/powerpoint/2010/main" val="753433096"/>
       </p:ext>
     </p:extLst>
   </p:cSld>
@@ -547,7 +547,7 @@
           <p:cNvPr id="2" name="竖排标题 1">
             <a:extLst>
               <a:ext uri="{FF2B5EF4-FFF2-40B4-BE49-F238E27FC236}">
-                <a16:creationId xmlns:a16="http://schemas.microsoft.com/office/drawing/2014/main" id="{939085A0-60A8-4F70-CA69-CBC49F19D6AF}"/>
+                <a16:creationId xmlns:a16="http://schemas.microsoft.com/office/drawing/2014/main" id="{B7E168C4-1A17-BE63-8635-DD55514B1F1D}"/>
               </a:ext>
             </a:extLst>
           </p:cNvPr>
@@ -580,7 +580,7 @@
           <p:cNvPr id="3" name="竖排文字占位符 2">
             <a:extLst>
               <a:ext uri="{FF2B5EF4-FFF2-40B4-BE49-F238E27FC236}">
-                <a16:creationId xmlns:a16="http://schemas.microsoft.com/office/drawing/2014/main" id="{434D0A39-FCA6-D5ED-BC6D-D59C44253CA2}"/>
+                <a16:creationId xmlns:a16="http://schemas.microsoft.com/office/drawing/2014/main" id="{74658516-FA8F-4CE3-518B-64463DABEF6A}"/>
               </a:ext>
             </a:extLst>
           </p:cNvPr>
@@ -642,7 +642,7 @@
           <p:cNvPr id="4" name="日期占位符 3">
             <a:extLst>
               <a:ext uri="{FF2B5EF4-FFF2-40B4-BE49-F238E27FC236}">
-                <a16:creationId xmlns:a16="http://schemas.microsoft.com/office/drawing/2014/main" id="{98BAFFA5-2790-3DBA-A092-1719F7958758}"/>
+                <a16:creationId xmlns:a16="http://schemas.microsoft.com/office/drawing/2014/main" id="{0FA1B3C9-6D7B-A26C-2D7D-3563A9903610}"/>
               </a:ext>
             </a:extLst>
           </p:cNvPr>
@@ -658,7 +658,7 @@
           <a:bodyPr/>
           <a:lstStyle/>
           <a:p>
-            <a:fld id="{8F97EA2F-B7FB-4BA1-BCA8-8832E77B0A9D}" type="datetimeFigureOut">
+            <a:fld id="{787206B7-940D-418D-BFE2-899F3E3DF07E}" type="datetimeFigureOut">
               <a:rPr lang="zh-CN" altLang="en-US" smtClean="0"/>
               <a:t>2024/3/10</a:t>
             </a:fld>
@@ -671,7 +671,7 @@
           <p:cNvPr id="5" name="页脚占位符 4">
             <a:extLst>
               <a:ext uri="{FF2B5EF4-FFF2-40B4-BE49-F238E27FC236}">
-                <a16:creationId xmlns:a16="http://schemas.microsoft.com/office/drawing/2014/main" id="{2966BE86-7F1E-1133-D276-E471F1B4FB04}"/>
+                <a16:creationId xmlns:a16="http://schemas.microsoft.com/office/drawing/2014/main" id="{1EAE0EA4-5CF5-CB26-741E-EF6966DD4AA4}"/>
               </a:ext>
             </a:extLst>
           </p:cNvPr>
@@ -696,7 +696,7 @@
           <p:cNvPr id="6" name="灯片编号占位符 5">
             <a:extLst>
               <a:ext uri="{FF2B5EF4-FFF2-40B4-BE49-F238E27FC236}">
-                <a16:creationId xmlns:a16="http://schemas.microsoft.com/office/drawing/2014/main" id="{702A8F74-F167-B017-1FCD-783CEEE11653}"/>
+                <a16:creationId xmlns:a16="http://schemas.microsoft.com/office/drawing/2014/main" id="{DF9F7C33-2DAE-D868-64AC-5C4DE0791A1C}"/>
               </a:ext>
             </a:extLst>
           </p:cNvPr>
@@ -712,7 +712,7 @@
           <a:bodyPr/>
           <a:lstStyle/>
           <a:p>
-            <a:fld id="{C3E81ABA-02B2-4196-94A4-8A23C125FFE7}" type="slidenum">
+            <a:fld id="{6BF3B9A2-9411-4950-988E-8B4CFA1DD180}" type="slidenum">
               <a:rPr lang="zh-CN" altLang="en-US" smtClean="0"/>
               <a:t>‹#›</a:t>
             </a:fld>
@@ -723,7 +723,7 @@
     </p:spTree>
     <p:extLst>
       <p:ext uri="{BB962C8B-B14F-4D97-AF65-F5344CB8AC3E}">
-        <p14:creationId xmlns:p14="http://schemas.microsoft.com/office/powerpoint/2010/main" val="4211964733"/>
+        <p14:creationId xmlns:p14="http://schemas.microsoft.com/office/powerpoint/2010/main" val="1358397343"/>
       </p:ext>
     </p:extLst>
   </p:cSld>
@@ -755,7 +755,7 @@
           <p:cNvPr id="2" name="标题 1">
             <a:extLst>
               <a:ext uri="{FF2B5EF4-FFF2-40B4-BE49-F238E27FC236}">
-                <a16:creationId xmlns:a16="http://schemas.microsoft.com/office/drawing/2014/main" id="{C9B09DD3-1B27-8EB9-78C6-7DFA7859A357}"/>
+                <a16:creationId xmlns:a16="http://schemas.microsoft.com/office/drawing/2014/main" id="{2C60301B-A038-D07A-37C7-AAFE7C59CDC1}"/>
               </a:ext>
             </a:extLst>
           </p:cNvPr>
@@ -783,7 +783,7 @@
           <p:cNvPr id="3" name="内容占位符 2">
             <a:extLst>
               <a:ext uri="{FF2B5EF4-FFF2-40B4-BE49-F238E27FC236}">
-                <a16:creationId xmlns:a16="http://schemas.microsoft.com/office/drawing/2014/main" id="{A9ADF49B-461B-0F0F-287A-0BAF38360F17}"/>
+                <a16:creationId xmlns:a16="http://schemas.microsoft.com/office/drawing/2014/main" id="{50149FCD-8642-ECCB-5C74-CF896B5A68CE}"/>
               </a:ext>
             </a:extLst>
           </p:cNvPr>
@@ -840,7 +840,7 @@
           <p:cNvPr id="4" name="日期占位符 3">
             <a:extLst>
               <a:ext uri="{FF2B5EF4-FFF2-40B4-BE49-F238E27FC236}">
-                <a16:creationId xmlns:a16="http://schemas.microsoft.com/office/drawing/2014/main" id="{F352497F-CA19-CED4-24B6-FC1DD4AB5F08}"/>
+                <a16:creationId xmlns:a16="http://schemas.microsoft.com/office/drawing/2014/main" id="{20745117-767E-74BE-E74C-6E496F3AE7FE}"/>
               </a:ext>
             </a:extLst>
           </p:cNvPr>
@@ -856,7 +856,7 @@
           <a:bodyPr/>
           <a:lstStyle/>
           <a:p>
-            <a:fld id="{8F97EA2F-B7FB-4BA1-BCA8-8832E77B0A9D}" type="datetimeFigureOut">
+            <a:fld id="{787206B7-940D-418D-BFE2-899F3E3DF07E}" type="datetimeFigureOut">
               <a:rPr lang="zh-CN" altLang="en-US" smtClean="0"/>
               <a:t>2024/3/10</a:t>
             </a:fld>
@@ -869,7 +869,7 @@
           <p:cNvPr id="5" name="页脚占位符 4">
             <a:extLst>
               <a:ext uri="{FF2B5EF4-FFF2-40B4-BE49-F238E27FC236}">
-                <a16:creationId xmlns:a16="http://schemas.microsoft.com/office/drawing/2014/main" id="{ED36F14B-12F8-F862-78B2-85125D8C40EC}"/>
+                <a16:creationId xmlns:a16="http://schemas.microsoft.com/office/drawing/2014/main" id="{6F831D28-F722-47D5-2C55-913F698E4508}"/>
               </a:ext>
             </a:extLst>
           </p:cNvPr>
@@ -894,7 +894,7 @@
           <p:cNvPr id="6" name="灯片编号占位符 5">
             <a:extLst>
               <a:ext uri="{FF2B5EF4-FFF2-40B4-BE49-F238E27FC236}">
-                <a16:creationId xmlns:a16="http://schemas.microsoft.com/office/drawing/2014/main" id="{17EE6C68-BB07-D1E7-0770-6AF9F327DB66}"/>
+                <a16:creationId xmlns:a16="http://schemas.microsoft.com/office/drawing/2014/main" id="{95194A87-6062-8C60-DB40-EEBC09D103C2}"/>
               </a:ext>
             </a:extLst>
           </p:cNvPr>
@@ -910,7 +910,7 @@
           <a:bodyPr/>
           <a:lstStyle/>
           <a:p>
-            <a:fld id="{C3E81ABA-02B2-4196-94A4-8A23C125FFE7}" type="slidenum">
+            <a:fld id="{6BF3B9A2-9411-4950-988E-8B4CFA1DD180}" type="slidenum">
               <a:rPr lang="zh-CN" altLang="en-US" smtClean="0"/>
               <a:t>‹#›</a:t>
             </a:fld>
@@ -921,7 +921,7 @@
     </p:spTree>
     <p:extLst>
       <p:ext uri="{BB962C8B-B14F-4D97-AF65-F5344CB8AC3E}">
-        <p14:creationId xmlns:p14="http://schemas.microsoft.com/office/powerpoint/2010/main" val="3078070916"/>
+        <p14:creationId xmlns:p14="http://schemas.microsoft.com/office/powerpoint/2010/main" val="3322198053"/>
       </p:ext>
     </p:extLst>
   </p:cSld>
@@ -953,7 +953,7 @@
           <p:cNvPr id="2" name="标题 1">
             <a:extLst>
               <a:ext uri="{FF2B5EF4-FFF2-40B4-BE49-F238E27FC236}">
-                <a16:creationId xmlns:a16="http://schemas.microsoft.com/office/drawing/2014/main" id="{02EF7939-7F9F-C980-633A-7441FE2093FE}"/>
+                <a16:creationId xmlns:a16="http://schemas.microsoft.com/office/drawing/2014/main" id="{FA513765-BE60-1201-067B-B1C251E33A63}"/>
               </a:ext>
             </a:extLst>
           </p:cNvPr>
@@ -990,7 +990,7 @@
           <p:cNvPr id="3" name="文本占位符 2">
             <a:extLst>
               <a:ext uri="{FF2B5EF4-FFF2-40B4-BE49-F238E27FC236}">
-                <a16:creationId xmlns:a16="http://schemas.microsoft.com/office/drawing/2014/main" id="{4284F3C1-7CC2-AE7C-059F-F85AA7EE7F4C}"/>
+                <a16:creationId xmlns:a16="http://schemas.microsoft.com/office/drawing/2014/main" id="{828FD3C5-8C6F-915D-C742-224C64422594}"/>
               </a:ext>
             </a:extLst>
           </p:cNvPr>
@@ -1115,7 +1115,7 @@
           <p:cNvPr id="4" name="日期占位符 3">
             <a:extLst>
               <a:ext uri="{FF2B5EF4-FFF2-40B4-BE49-F238E27FC236}">
-                <a16:creationId xmlns:a16="http://schemas.microsoft.com/office/drawing/2014/main" id="{725BED4B-9913-5847-799C-8ADAE8900A1E}"/>
+                <a16:creationId xmlns:a16="http://schemas.microsoft.com/office/drawing/2014/main" id="{7B9EDCEF-BB1D-99F0-1156-AF96C342CE7C}"/>
               </a:ext>
             </a:extLst>
           </p:cNvPr>
@@ -1131,7 +1131,7 @@
           <a:bodyPr/>
           <a:lstStyle/>
           <a:p>
-            <a:fld id="{8F97EA2F-B7FB-4BA1-BCA8-8832E77B0A9D}" type="datetimeFigureOut">
+            <a:fld id="{787206B7-940D-418D-BFE2-899F3E3DF07E}" type="datetimeFigureOut">
               <a:rPr lang="zh-CN" altLang="en-US" smtClean="0"/>
               <a:t>2024/3/10</a:t>
             </a:fld>
@@ -1144,7 +1144,7 @@
           <p:cNvPr id="5" name="页脚占位符 4">
             <a:extLst>
               <a:ext uri="{FF2B5EF4-FFF2-40B4-BE49-F238E27FC236}">
-                <a16:creationId xmlns:a16="http://schemas.microsoft.com/office/drawing/2014/main" id="{63242A3C-3FEE-B9C0-8E64-2E83D7A51E21}"/>
+                <a16:creationId xmlns:a16="http://schemas.microsoft.com/office/drawing/2014/main" id="{9B3B6C99-F006-D07D-32A0-5FB15F52A4CD}"/>
               </a:ext>
             </a:extLst>
           </p:cNvPr>
@@ -1169,7 +1169,7 @@
           <p:cNvPr id="6" name="灯片编号占位符 5">
             <a:extLst>
               <a:ext uri="{FF2B5EF4-FFF2-40B4-BE49-F238E27FC236}">
-                <a16:creationId xmlns:a16="http://schemas.microsoft.com/office/drawing/2014/main" id="{5607BC7C-9D44-326A-7265-5CA1024EAAC0}"/>
+                <a16:creationId xmlns:a16="http://schemas.microsoft.com/office/drawing/2014/main" id="{812542CE-6F70-539A-7B2C-67D587E8F358}"/>
               </a:ext>
             </a:extLst>
           </p:cNvPr>
@@ -1185,7 +1185,7 @@
           <a:bodyPr/>
           <a:lstStyle/>
           <a:p>
-            <a:fld id="{C3E81ABA-02B2-4196-94A4-8A23C125FFE7}" type="slidenum">
+            <a:fld id="{6BF3B9A2-9411-4950-988E-8B4CFA1DD180}" type="slidenum">
               <a:rPr lang="zh-CN" altLang="en-US" smtClean="0"/>
               <a:t>‹#›</a:t>
             </a:fld>
@@ -1196,7 +1196,7 @@
     </p:spTree>
     <p:extLst>
       <p:ext uri="{BB962C8B-B14F-4D97-AF65-F5344CB8AC3E}">
-        <p14:creationId xmlns:p14="http://schemas.microsoft.com/office/powerpoint/2010/main" val="3733922548"/>
+        <p14:creationId xmlns:p14="http://schemas.microsoft.com/office/powerpoint/2010/main" val="533314377"/>
       </p:ext>
     </p:extLst>
   </p:cSld>
@@ -1228,7 +1228,7 @@
           <p:cNvPr id="2" name="标题 1">
             <a:extLst>
               <a:ext uri="{FF2B5EF4-FFF2-40B4-BE49-F238E27FC236}">
-                <a16:creationId xmlns:a16="http://schemas.microsoft.com/office/drawing/2014/main" id="{3FBC5FD8-191A-7356-DEFF-3BF7F4815179}"/>
+                <a16:creationId xmlns:a16="http://schemas.microsoft.com/office/drawing/2014/main" id="{3560080E-3EAB-5293-C1C6-B2ED91A2C3E1}"/>
               </a:ext>
             </a:extLst>
           </p:cNvPr>
@@ -1256,7 +1256,7 @@
           <p:cNvPr id="3" name="内容占位符 2">
             <a:extLst>
               <a:ext uri="{FF2B5EF4-FFF2-40B4-BE49-F238E27FC236}">
-                <a16:creationId xmlns:a16="http://schemas.microsoft.com/office/drawing/2014/main" id="{9CA3F2AA-4D2A-C6D5-AF6A-3D5F6BBC15B9}"/>
+                <a16:creationId xmlns:a16="http://schemas.microsoft.com/office/drawing/2014/main" id="{D1378A53-2245-9A40-33D4-81CEDC4775A8}"/>
               </a:ext>
             </a:extLst>
           </p:cNvPr>
@@ -1318,7 +1318,7 @@
           <p:cNvPr id="4" name="内容占位符 3">
             <a:extLst>
               <a:ext uri="{FF2B5EF4-FFF2-40B4-BE49-F238E27FC236}">
-                <a16:creationId xmlns:a16="http://schemas.microsoft.com/office/drawing/2014/main" id="{9ACE5F8A-5690-B311-353C-50C4FA54AA6C}"/>
+                <a16:creationId xmlns:a16="http://schemas.microsoft.com/office/drawing/2014/main" id="{5556E43B-E6A7-3F5F-1C75-21D3FD012137}"/>
               </a:ext>
             </a:extLst>
           </p:cNvPr>
@@ -1380,7 +1380,7 @@
           <p:cNvPr id="5" name="日期占位符 4">
             <a:extLst>
               <a:ext uri="{FF2B5EF4-FFF2-40B4-BE49-F238E27FC236}">
-                <a16:creationId xmlns:a16="http://schemas.microsoft.com/office/drawing/2014/main" id="{F4D2687C-A8C0-D90B-A964-903E91A8E1AA}"/>
+                <a16:creationId xmlns:a16="http://schemas.microsoft.com/office/drawing/2014/main" id="{90DB2814-82FF-CD9C-66F1-C50132599AE5}"/>
               </a:ext>
             </a:extLst>
           </p:cNvPr>
@@ -1396,7 +1396,7 @@
           <a:bodyPr/>
           <a:lstStyle/>
           <a:p>
-            <a:fld id="{8F97EA2F-B7FB-4BA1-BCA8-8832E77B0A9D}" type="datetimeFigureOut">
+            <a:fld id="{787206B7-940D-418D-BFE2-899F3E3DF07E}" type="datetimeFigureOut">
               <a:rPr lang="zh-CN" altLang="en-US" smtClean="0"/>
               <a:t>2024/3/10</a:t>
             </a:fld>
@@ -1409,7 +1409,7 @@
           <p:cNvPr id="6" name="页脚占位符 5">
             <a:extLst>
               <a:ext uri="{FF2B5EF4-FFF2-40B4-BE49-F238E27FC236}">
-                <a16:creationId xmlns:a16="http://schemas.microsoft.com/office/drawing/2014/main" id="{E31FE9E8-DDE2-3493-939C-F7BABF2D7A4A}"/>
+                <a16:creationId xmlns:a16="http://schemas.microsoft.com/office/drawing/2014/main" id="{F671A1DE-D1B9-6FD6-8E07-D99ABF97B724}"/>
               </a:ext>
             </a:extLst>
           </p:cNvPr>
@@ -1434,7 +1434,7 @@
           <p:cNvPr id="7" name="灯片编号占位符 6">
             <a:extLst>
               <a:ext uri="{FF2B5EF4-FFF2-40B4-BE49-F238E27FC236}">
-                <a16:creationId xmlns:a16="http://schemas.microsoft.com/office/drawing/2014/main" id="{9C9BBA3B-7DC9-04E5-0D53-37F6B0333458}"/>
+                <a16:creationId xmlns:a16="http://schemas.microsoft.com/office/drawing/2014/main" id="{12AA6F81-EE86-FA31-9D8F-39F042628ECD}"/>
               </a:ext>
             </a:extLst>
           </p:cNvPr>
@@ -1450,7 +1450,7 @@
           <a:bodyPr/>
           <a:lstStyle/>
           <a:p>
-            <a:fld id="{C3E81ABA-02B2-4196-94A4-8A23C125FFE7}" type="slidenum">
+            <a:fld id="{6BF3B9A2-9411-4950-988E-8B4CFA1DD180}" type="slidenum">
               <a:rPr lang="zh-CN" altLang="en-US" smtClean="0"/>
               <a:t>‹#›</a:t>
             </a:fld>
@@ -1461,7 +1461,7 @@
     </p:spTree>
     <p:extLst>
       <p:ext uri="{BB962C8B-B14F-4D97-AF65-F5344CB8AC3E}">
-        <p14:creationId xmlns:p14="http://schemas.microsoft.com/office/powerpoint/2010/main" val="1383665498"/>
+        <p14:creationId xmlns:p14="http://schemas.microsoft.com/office/powerpoint/2010/main" val="4181471635"/>
       </p:ext>
     </p:extLst>
   </p:cSld>
@@ -1493,7 +1493,7 @@
           <p:cNvPr id="2" name="标题 1">
             <a:extLst>
               <a:ext uri="{FF2B5EF4-FFF2-40B4-BE49-F238E27FC236}">
-                <a16:creationId xmlns:a16="http://schemas.microsoft.com/office/drawing/2014/main" id="{BC48F6AC-F909-B2B6-B1D0-D282B895C7B2}"/>
+                <a16:creationId xmlns:a16="http://schemas.microsoft.com/office/drawing/2014/main" id="{1525E7C4-9041-04B7-FEBA-E0CC216D0F1A}"/>
               </a:ext>
             </a:extLst>
           </p:cNvPr>
@@ -1526,7 +1526,7 @@
           <p:cNvPr id="3" name="文本占位符 2">
             <a:extLst>
               <a:ext uri="{FF2B5EF4-FFF2-40B4-BE49-F238E27FC236}">
-                <a16:creationId xmlns:a16="http://schemas.microsoft.com/office/drawing/2014/main" id="{6BC1608C-7FC8-4A9C-0FD5-C26AF5ED6C41}"/>
+                <a16:creationId xmlns:a16="http://schemas.microsoft.com/office/drawing/2014/main" id="{4EE5455B-F742-A403-67CF-E95DC857075C}"/>
               </a:ext>
             </a:extLst>
           </p:cNvPr>
@@ -1597,7 +1597,7 @@
           <p:cNvPr id="4" name="内容占位符 3">
             <a:extLst>
               <a:ext uri="{FF2B5EF4-FFF2-40B4-BE49-F238E27FC236}">
-                <a16:creationId xmlns:a16="http://schemas.microsoft.com/office/drawing/2014/main" id="{4DC26F39-E2D4-39D7-9D3C-3C192BDF19DB}"/>
+                <a16:creationId xmlns:a16="http://schemas.microsoft.com/office/drawing/2014/main" id="{1F0986DD-42BA-2B48-8AD5-D737DD7A965D}"/>
               </a:ext>
             </a:extLst>
           </p:cNvPr>
@@ -1659,7 +1659,7 @@
           <p:cNvPr id="5" name="文本占位符 4">
             <a:extLst>
               <a:ext uri="{FF2B5EF4-FFF2-40B4-BE49-F238E27FC236}">
-                <a16:creationId xmlns:a16="http://schemas.microsoft.com/office/drawing/2014/main" id="{E11AFBA3-CA22-84A7-C03D-916E2EB63931}"/>
+                <a16:creationId xmlns:a16="http://schemas.microsoft.com/office/drawing/2014/main" id="{558C7CD1-E306-017D-5B60-AAFDB9406405}"/>
               </a:ext>
             </a:extLst>
           </p:cNvPr>
@@ -1730,7 +1730,7 @@
           <p:cNvPr id="6" name="内容占位符 5">
             <a:extLst>
               <a:ext uri="{FF2B5EF4-FFF2-40B4-BE49-F238E27FC236}">
-                <a16:creationId xmlns:a16="http://schemas.microsoft.com/office/drawing/2014/main" id="{37D79A41-8295-AA1B-9463-BA42D02C654D}"/>
+                <a16:creationId xmlns:a16="http://schemas.microsoft.com/office/drawing/2014/main" id="{CDF1761C-5D63-1E39-9F45-02A47DE0081E}"/>
               </a:ext>
             </a:extLst>
           </p:cNvPr>
@@ -1792,7 +1792,7 @@
           <p:cNvPr id="7" name="日期占位符 6">
             <a:extLst>
               <a:ext uri="{FF2B5EF4-FFF2-40B4-BE49-F238E27FC236}">
-                <a16:creationId xmlns:a16="http://schemas.microsoft.com/office/drawing/2014/main" id="{19F8047A-71CB-0700-FAE0-DE13EAA52D9F}"/>
+                <a16:creationId xmlns:a16="http://schemas.microsoft.com/office/drawing/2014/main" id="{C92B512B-90F9-7B0B-D6DC-D6FCC89E3D15}"/>
               </a:ext>
             </a:extLst>
           </p:cNvPr>
@@ -1808,7 +1808,7 @@
           <a:bodyPr/>
           <a:lstStyle/>
           <a:p>
-            <a:fld id="{8F97EA2F-B7FB-4BA1-BCA8-8832E77B0A9D}" type="datetimeFigureOut">
+            <a:fld id="{787206B7-940D-418D-BFE2-899F3E3DF07E}" type="datetimeFigureOut">
               <a:rPr lang="zh-CN" altLang="en-US" smtClean="0"/>
               <a:t>2024/3/10</a:t>
             </a:fld>
@@ -1821,7 +1821,7 @@
           <p:cNvPr id="8" name="页脚占位符 7">
             <a:extLst>
               <a:ext uri="{FF2B5EF4-FFF2-40B4-BE49-F238E27FC236}">
-                <a16:creationId xmlns:a16="http://schemas.microsoft.com/office/drawing/2014/main" id="{31D5DF4B-C070-28D8-68A8-3A4C9309FA0A}"/>
+                <a16:creationId xmlns:a16="http://schemas.microsoft.com/office/drawing/2014/main" id="{410C49AC-800F-3703-EDB9-94071D32947B}"/>
               </a:ext>
             </a:extLst>
           </p:cNvPr>
@@ -1846,7 +1846,7 @@
           <p:cNvPr id="9" name="灯片编号占位符 8">
             <a:extLst>
               <a:ext uri="{FF2B5EF4-FFF2-40B4-BE49-F238E27FC236}">
-                <a16:creationId xmlns:a16="http://schemas.microsoft.com/office/drawing/2014/main" id="{F916D314-D2DB-4BF1-A602-22A99B7D9B0B}"/>
+                <a16:creationId xmlns:a16="http://schemas.microsoft.com/office/drawing/2014/main" id="{07BF49AA-8912-AF96-D334-3462532BE71F}"/>
               </a:ext>
             </a:extLst>
           </p:cNvPr>
@@ -1862,7 +1862,7 @@
           <a:bodyPr/>
           <a:lstStyle/>
           <a:p>
-            <a:fld id="{C3E81ABA-02B2-4196-94A4-8A23C125FFE7}" type="slidenum">
+            <a:fld id="{6BF3B9A2-9411-4950-988E-8B4CFA1DD180}" type="slidenum">
               <a:rPr lang="zh-CN" altLang="en-US" smtClean="0"/>
               <a:t>‹#›</a:t>
             </a:fld>
@@ -1873,7 +1873,7 @@
     </p:spTree>
     <p:extLst>
       <p:ext uri="{BB962C8B-B14F-4D97-AF65-F5344CB8AC3E}">
-        <p14:creationId xmlns:p14="http://schemas.microsoft.com/office/powerpoint/2010/main" val="2500958374"/>
+        <p14:creationId xmlns:p14="http://schemas.microsoft.com/office/powerpoint/2010/main" val="4017003950"/>
       </p:ext>
     </p:extLst>
   </p:cSld>
@@ -1905,7 +1905,7 @@
           <p:cNvPr id="2" name="标题 1">
             <a:extLst>
               <a:ext uri="{FF2B5EF4-FFF2-40B4-BE49-F238E27FC236}">
-                <a16:creationId xmlns:a16="http://schemas.microsoft.com/office/drawing/2014/main" id="{35E4D499-81D1-2074-E814-7F8D3BB53049}"/>
+                <a16:creationId xmlns:a16="http://schemas.microsoft.com/office/drawing/2014/main" id="{A48B85B4-57A7-E5CC-9343-A732CDC71972}"/>
               </a:ext>
             </a:extLst>
           </p:cNvPr>
@@ -1933,7 +1933,7 @@
           <p:cNvPr id="3" name="日期占位符 2">
             <a:extLst>
               <a:ext uri="{FF2B5EF4-FFF2-40B4-BE49-F238E27FC236}">
-                <a16:creationId xmlns:a16="http://schemas.microsoft.com/office/drawing/2014/main" id="{DA8F0615-E627-A598-66DD-6170C6D42188}"/>
+                <a16:creationId xmlns:a16="http://schemas.microsoft.com/office/drawing/2014/main" id="{01DDFE87-F3F4-B01A-B8AE-59C5D29777C4}"/>
               </a:ext>
             </a:extLst>
           </p:cNvPr>
@@ -1949,7 +1949,7 @@
           <a:bodyPr/>
           <a:lstStyle/>
           <a:p>
-            <a:fld id="{8F97EA2F-B7FB-4BA1-BCA8-8832E77B0A9D}" type="datetimeFigureOut">
+            <a:fld id="{787206B7-940D-418D-BFE2-899F3E3DF07E}" type="datetimeFigureOut">
               <a:rPr lang="zh-CN" altLang="en-US" smtClean="0"/>
               <a:t>2024/3/10</a:t>
             </a:fld>
@@ -1962,7 +1962,7 @@
           <p:cNvPr id="4" name="页脚占位符 3">
             <a:extLst>
               <a:ext uri="{FF2B5EF4-FFF2-40B4-BE49-F238E27FC236}">
-                <a16:creationId xmlns:a16="http://schemas.microsoft.com/office/drawing/2014/main" id="{E4C6EDE2-EB99-532A-F80C-C5EE6598A397}"/>
+                <a16:creationId xmlns:a16="http://schemas.microsoft.com/office/drawing/2014/main" id="{8C3AE3EE-FEBC-3177-DBA4-6E3DD45BD0DF}"/>
               </a:ext>
             </a:extLst>
           </p:cNvPr>
@@ -1987,7 +1987,7 @@
           <p:cNvPr id="5" name="灯片编号占位符 4">
             <a:extLst>
               <a:ext uri="{FF2B5EF4-FFF2-40B4-BE49-F238E27FC236}">
-                <a16:creationId xmlns:a16="http://schemas.microsoft.com/office/drawing/2014/main" id="{87277EE6-FB95-A9B2-6A05-44705176CD4F}"/>
+                <a16:creationId xmlns:a16="http://schemas.microsoft.com/office/drawing/2014/main" id="{0C3CE856-A599-76C5-9EC3-28413ED5CA45}"/>
               </a:ext>
             </a:extLst>
           </p:cNvPr>
@@ -2003,7 +2003,7 @@
           <a:bodyPr/>
           <a:lstStyle/>
           <a:p>
-            <a:fld id="{C3E81ABA-02B2-4196-94A4-8A23C125FFE7}" type="slidenum">
+            <a:fld id="{6BF3B9A2-9411-4950-988E-8B4CFA1DD180}" type="slidenum">
               <a:rPr lang="zh-CN" altLang="en-US" smtClean="0"/>
               <a:t>‹#›</a:t>
             </a:fld>
@@ -2014,7 +2014,7 @@
     </p:spTree>
     <p:extLst>
       <p:ext uri="{BB962C8B-B14F-4D97-AF65-F5344CB8AC3E}">
-        <p14:creationId xmlns:p14="http://schemas.microsoft.com/office/powerpoint/2010/main" val="2944576998"/>
+        <p14:creationId xmlns:p14="http://schemas.microsoft.com/office/powerpoint/2010/main" val="3651850602"/>
       </p:ext>
     </p:extLst>
   </p:cSld>
@@ -2046,7 +2046,7 @@
           <p:cNvPr id="2" name="日期占位符 1">
             <a:extLst>
               <a:ext uri="{FF2B5EF4-FFF2-40B4-BE49-F238E27FC236}">
-                <a16:creationId xmlns:a16="http://schemas.microsoft.com/office/drawing/2014/main" id="{42370368-4A88-8891-BC9B-BCE44978CD20}"/>
+                <a16:creationId xmlns:a16="http://schemas.microsoft.com/office/drawing/2014/main" id="{EB87BB11-8C23-FD09-D289-08503B0C79DC}"/>
               </a:ext>
             </a:extLst>
           </p:cNvPr>
@@ -2062,7 +2062,7 @@
           <a:bodyPr/>
           <a:lstStyle/>
           <a:p>
-            <a:fld id="{8F97EA2F-B7FB-4BA1-BCA8-8832E77B0A9D}" type="datetimeFigureOut">
+            <a:fld id="{787206B7-940D-418D-BFE2-899F3E3DF07E}" type="datetimeFigureOut">
               <a:rPr lang="zh-CN" altLang="en-US" smtClean="0"/>
               <a:t>2024/3/10</a:t>
             </a:fld>
@@ -2075,7 +2075,7 @@
           <p:cNvPr id="3" name="页脚占位符 2">
             <a:extLst>
               <a:ext uri="{FF2B5EF4-FFF2-40B4-BE49-F238E27FC236}">
-                <a16:creationId xmlns:a16="http://schemas.microsoft.com/office/drawing/2014/main" id="{F2FAC42E-4DAF-8874-5AF2-662CD516A5EB}"/>
+                <a16:creationId xmlns:a16="http://schemas.microsoft.com/office/drawing/2014/main" id="{20BCA370-6B33-8B9D-1BBD-44F3879A7770}"/>
               </a:ext>
             </a:extLst>
           </p:cNvPr>
@@ -2100,7 +2100,7 @@
           <p:cNvPr id="4" name="灯片编号占位符 3">
             <a:extLst>
               <a:ext uri="{FF2B5EF4-FFF2-40B4-BE49-F238E27FC236}">
-                <a16:creationId xmlns:a16="http://schemas.microsoft.com/office/drawing/2014/main" id="{66A0E216-4D23-837C-6E23-E6B96AC4E690}"/>
+                <a16:creationId xmlns:a16="http://schemas.microsoft.com/office/drawing/2014/main" id="{8EBBD823-A473-3090-2013-3A1346E412E9}"/>
               </a:ext>
             </a:extLst>
           </p:cNvPr>
@@ -2116,7 +2116,7 @@
           <a:bodyPr/>
           <a:lstStyle/>
           <a:p>
-            <a:fld id="{C3E81ABA-02B2-4196-94A4-8A23C125FFE7}" type="slidenum">
+            <a:fld id="{6BF3B9A2-9411-4950-988E-8B4CFA1DD180}" type="slidenum">
               <a:rPr lang="zh-CN" altLang="en-US" smtClean="0"/>
               <a:t>‹#›</a:t>
             </a:fld>
@@ -2127,7 +2127,7 @@
     </p:spTree>
     <p:extLst>
       <p:ext uri="{BB962C8B-B14F-4D97-AF65-F5344CB8AC3E}">
-        <p14:creationId xmlns:p14="http://schemas.microsoft.com/office/powerpoint/2010/main" val="2395181505"/>
+        <p14:creationId xmlns:p14="http://schemas.microsoft.com/office/powerpoint/2010/main" val="3496024564"/>
       </p:ext>
     </p:extLst>
   </p:cSld>
@@ -2159,7 +2159,7 @@
           <p:cNvPr id="2" name="标题 1">
             <a:extLst>
               <a:ext uri="{FF2B5EF4-FFF2-40B4-BE49-F238E27FC236}">
-                <a16:creationId xmlns:a16="http://schemas.microsoft.com/office/drawing/2014/main" id="{F2D2CE70-9EDF-53B9-7953-B44BBC88C0D5}"/>
+                <a16:creationId xmlns:a16="http://schemas.microsoft.com/office/drawing/2014/main" id="{0FC7F9CD-8E55-C023-980E-3EE9160DF1E4}"/>
               </a:ext>
             </a:extLst>
           </p:cNvPr>
@@ -2196,7 +2196,7 @@
           <p:cNvPr id="3" name="内容占位符 2">
             <a:extLst>
               <a:ext uri="{FF2B5EF4-FFF2-40B4-BE49-F238E27FC236}">
-                <a16:creationId xmlns:a16="http://schemas.microsoft.com/office/drawing/2014/main" id="{A33671E5-6354-6020-C1E8-20A1D5BAF3C0}"/>
+                <a16:creationId xmlns:a16="http://schemas.microsoft.com/office/drawing/2014/main" id="{E1CE665B-0E60-7CCE-C71E-15A23D9E4F52}"/>
               </a:ext>
             </a:extLst>
           </p:cNvPr>
@@ -2286,7 +2286,7 @@
           <p:cNvPr id="4" name="文本占位符 3">
             <a:extLst>
               <a:ext uri="{FF2B5EF4-FFF2-40B4-BE49-F238E27FC236}">
-                <a16:creationId xmlns:a16="http://schemas.microsoft.com/office/drawing/2014/main" id="{38BDB4AB-BF5B-AA37-F0A7-B485B6362D4B}"/>
+                <a16:creationId xmlns:a16="http://schemas.microsoft.com/office/drawing/2014/main" id="{22DE2484-7B74-6966-182C-3DB84F6A8B47}"/>
               </a:ext>
             </a:extLst>
           </p:cNvPr>
@@ -2357,7 +2357,7 @@
           <p:cNvPr id="5" name="日期占位符 4">
             <a:extLst>
               <a:ext uri="{FF2B5EF4-FFF2-40B4-BE49-F238E27FC236}">
-                <a16:creationId xmlns:a16="http://schemas.microsoft.com/office/drawing/2014/main" id="{950486AD-BA54-41F2-D29A-E4E0B91019C7}"/>
+                <a16:creationId xmlns:a16="http://schemas.microsoft.com/office/drawing/2014/main" id="{424375FF-FDFE-4AC4-596E-7009A52F7F4B}"/>
               </a:ext>
             </a:extLst>
           </p:cNvPr>
@@ -2373,7 +2373,7 @@
           <a:bodyPr/>
           <a:lstStyle/>
           <a:p>
-            <a:fld id="{8F97EA2F-B7FB-4BA1-BCA8-8832E77B0A9D}" type="datetimeFigureOut">
+            <a:fld id="{787206B7-940D-418D-BFE2-899F3E3DF07E}" type="datetimeFigureOut">
               <a:rPr lang="zh-CN" altLang="en-US" smtClean="0"/>
               <a:t>2024/3/10</a:t>
             </a:fld>
@@ -2386,7 +2386,7 @@
           <p:cNvPr id="6" name="页脚占位符 5">
             <a:extLst>
               <a:ext uri="{FF2B5EF4-FFF2-40B4-BE49-F238E27FC236}">
-                <a16:creationId xmlns:a16="http://schemas.microsoft.com/office/drawing/2014/main" id="{80BA9281-645C-E38E-6D96-1ADE9C6D926F}"/>
+                <a16:creationId xmlns:a16="http://schemas.microsoft.com/office/drawing/2014/main" id="{00C76DE6-FBB7-8AB1-AE52-33DCF1CF72AB}"/>
               </a:ext>
             </a:extLst>
           </p:cNvPr>
@@ -2411,7 +2411,7 @@
           <p:cNvPr id="7" name="灯片编号占位符 6">
             <a:extLst>
               <a:ext uri="{FF2B5EF4-FFF2-40B4-BE49-F238E27FC236}">
-                <a16:creationId xmlns:a16="http://schemas.microsoft.com/office/drawing/2014/main" id="{CF7A7AAA-2F22-3774-FA29-FD02DDE05C9E}"/>
+                <a16:creationId xmlns:a16="http://schemas.microsoft.com/office/drawing/2014/main" id="{FBA83401-ED4F-062F-11AA-0BD826340076}"/>
               </a:ext>
             </a:extLst>
           </p:cNvPr>
@@ -2427,7 +2427,7 @@
           <a:bodyPr/>
           <a:lstStyle/>
           <a:p>
-            <a:fld id="{C3E81ABA-02B2-4196-94A4-8A23C125FFE7}" type="slidenum">
+            <a:fld id="{6BF3B9A2-9411-4950-988E-8B4CFA1DD180}" type="slidenum">
               <a:rPr lang="zh-CN" altLang="en-US" smtClean="0"/>
               <a:t>‹#›</a:t>
             </a:fld>
@@ -2438,7 +2438,7 @@
     </p:spTree>
     <p:extLst>
       <p:ext uri="{BB962C8B-B14F-4D97-AF65-F5344CB8AC3E}">
-        <p14:creationId xmlns:p14="http://schemas.microsoft.com/office/powerpoint/2010/main" val="2993322091"/>
+        <p14:creationId xmlns:p14="http://schemas.microsoft.com/office/powerpoint/2010/main" val="3630997795"/>
       </p:ext>
     </p:extLst>
   </p:cSld>
@@ -2470,7 +2470,7 @@
           <p:cNvPr id="2" name="标题 1">
             <a:extLst>
               <a:ext uri="{FF2B5EF4-FFF2-40B4-BE49-F238E27FC236}">
-                <a16:creationId xmlns:a16="http://schemas.microsoft.com/office/drawing/2014/main" id="{8372B787-A66B-52F9-C605-A19DC360717D}"/>
+                <a16:creationId xmlns:a16="http://schemas.microsoft.com/office/drawing/2014/main" id="{A1C74DBE-68D1-BFFC-4423-77425423EB65}"/>
               </a:ext>
             </a:extLst>
           </p:cNvPr>
@@ -2507,7 +2507,7 @@
           <p:cNvPr id="3" name="图片占位符 2">
             <a:extLst>
               <a:ext uri="{FF2B5EF4-FFF2-40B4-BE49-F238E27FC236}">
-                <a16:creationId xmlns:a16="http://schemas.microsoft.com/office/drawing/2014/main" id="{7B69169B-AC08-7AB9-316E-97EE49126C00}"/>
+                <a16:creationId xmlns:a16="http://schemas.microsoft.com/office/drawing/2014/main" id="{19F69C44-CD65-2F9C-852E-A6D509BC2400}"/>
               </a:ext>
             </a:extLst>
           </p:cNvPr>
@@ -2574,7 +2574,7 @@
           <p:cNvPr id="4" name="文本占位符 3">
             <a:extLst>
               <a:ext uri="{FF2B5EF4-FFF2-40B4-BE49-F238E27FC236}">
-                <a16:creationId xmlns:a16="http://schemas.microsoft.com/office/drawing/2014/main" id="{DE51B2B7-3D38-6F6C-DC4C-57DAA124660A}"/>
+                <a16:creationId xmlns:a16="http://schemas.microsoft.com/office/drawing/2014/main" id="{C7543912-472B-A804-EECA-F443FB238086}"/>
               </a:ext>
             </a:extLst>
           </p:cNvPr>
@@ -2645,7 +2645,7 @@
           <p:cNvPr id="5" name="日期占位符 4">
             <a:extLst>
               <a:ext uri="{FF2B5EF4-FFF2-40B4-BE49-F238E27FC236}">
-                <a16:creationId xmlns:a16="http://schemas.microsoft.com/office/drawing/2014/main" id="{D7ACDE64-2270-4A69-AFE1-0DBD9A091D33}"/>
+                <a16:creationId xmlns:a16="http://schemas.microsoft.com/office/drawing/2014/main" id="{C87B07F1-5A71-5BBF-23B1-D22D12792EB7}"/>
               </a:ext>
             </a:extLst>
           </p:cNvPr>
@@ -2661,7 +2661,7 @@
           <a:bodyPr/>
           <a:lstStyle/>
           <a:p>
-            <a:fld id="{8F97EA2F-B7FB-4BA1-BCA8-8832E77B0A9D}" type="datetimeFigureOut">
+            <a:fld id="{787206B7-940D-418D-BFE2-899F3E3DF07E}" type="datetimeFigureOut">
               <a:rPr lang="zh-CN" altLang="en-US" smtClean="0"/>
               <a:t>2024/3/10</a:t>
             </a:fld>
@@ -2674,7 +2674,7 @@
           <p:cNvPr id="6" name="页脚占位符 5">
             <a:extLst>
               <a:ext uri="{FF2B5EF4-FFF2-40B4-BE49-F238E27FC236}">
-                <a16:creationId xmlns:a16="http://schemas.microsoft.com/office/drawing/2014/main" id="{55778A11-2DB9-2F79-8939-3495BC6862F5}"/>
+                <a16:creationId xmlns:a16="http://schemas.microsoft.com/office/drawing/2014/main" id="{1EE8405A-EF99-8851-E691-6C7EC8688232}"/>
               </a:ext>
             </a:extLst>
           </p:cNvPr>
@@ -2699,7 +2699,7 @@
           <p:cNvPr id="7" name="灯片编号占位符 6">
             <a:extLst>
               <a:ext uri="{FF2B5EF4-FFF2-40B4-BE49-F238E27FC236}">
-                <a16:creationId xmlns:a16="http://schemas.microsoft.com/office/drawing/2014/main" id="{E01F4A61-C474-25DE-E018-C52C835183ED}"/>
+                <a16:creationId xmlns:a16="http://schemas.microsoft.com/office/drawing/2014/main" id="{0E2FC355-7669-796B-ADA2-162D1A0357EC}"/>
               </a:ext>
             </a:extLst>
           </p:cNvPr>
@@ -2715,7 +2715,7 @@
           <a:bodyPr/>
           <a:lstStyle/>
           <a:p>
-            <a:fld id="{C3E81ABA-02B2-4196-94A4-8A23C125FFE7}" type="slidenum">
+            <a:fld id="{6BF3B9A2-9411-4950-988E-8B4CFA1DD180}" type="slidenum">
               <a:rPr lang="zh-CN" altLang="en-US" smtClean="0"/>
               <a:t>‹#›</a:t>
             </a:fld>
@@ -2726,7 +2726,7 @@
     </p:spTree>
     <p:extLst>
       <p:ext uri="{BB962C8B-B14F-4D97-AF65-F5344CB8AC3E}">
-        <p14:creationId xmlns:p14="http://schemas.microsoft.com/office/powerpoint/2010/main" val="2985694009"/>
+        <p14:creationId xmlns:p14="http://schemas.microsoft.com/office/powerpoint/2010/main" val="2548360581"/>
       </p:ext>
     </p:extLst>
   </p:cSld>
@@ -2763,7 +2763,7 @@
           <p:cNvPr id="2" name="标题占位符 1">
             <a:extLst>
               <a:ext uri="{FF2B5EF4-FFF2-40B4-BE49-F238E27FC236}">
-                <a16:creationId xmlns:a16="http://schemas.microsoft.com/office/drawing/2014/main" id="{F5602BE3-BECA-41DE-4494-0A63D1E46E33}"/>
+                <a16:creationId xmlns:a16="http://schemas.microsoft.com/office/drawing/2014/main" id="{74D983F3-4160-1E6E-0984-1FE1C106E2BE}"/>
               </a:ext>
             </a:extLst>
           </p:cNvPr>
@@ -2801,7 +2801,7 @@
           <p:cNvPr id="3" name="文本占位符 2">
             <a:extLst>
               <a:ext uri="{FF2B5EF4-FFF2-40B4-BE49-F238E27FC236}">
-                <a16:creationId xmlns:a16="http://schemas.microsoft.com/office/drawing/2014/main" id="{D515D2D1-2208-6B4C-5C40-395E992708B7}"/>
+                <a16:creationId xmlns:a16="http://schemas.microsoft.com/office/drawing/2014/main" id="{96C51228-448F-B404-EF4C-DF6DAA3A2C77}"/>
               </a:ext>
             </a:extLst>
           </p:cNvPr>
@@ -2868,7 +2868,7 @@
           <p:cNvPr id="4" name="日期占位符 3">
             <a:extLst>
               <a:ext uri="{FF2B5EF4-FFF2-40B4-BE49-F238E27FC236}">
-                <a16:creationId xmlns:a16="http://schemas.microsoft.com/office/drawing/2014/main" id="{68904DC6-4F72-1ED5-27D9-EFD069B3606E}"/>
+                <a16:creationId xmlns:a16="http://schemas.microsoft.com/office/drawing/2014/main" id="{C7DD8E2C-7381-FE06-D8D5-AE7305680A20}"/>
               </a:ext>
             </a:extLst>
           </p:cNvPr>
@@ -2902,7 +2902,7 @@
             </a:lvl1pPr>
           </a:lstStyle>
           <a:p>
-            <a:fld id="{8F97EA2F-B7FB-4BA1-BCA8-8832E77B0A9D}" type="datetimeFigureOut">
+            <a:fld id="{787206B7-940D-418D-BFE2-899F3E3DF07E}" type="datetimeFigureOut">
               <a:rPr lang="zh-CN" altLang="en-US" smtClean="0"/>
               <a:t>2024/3/10</a:t>
             </a:fld>
@@ -2915,7 +2915,7 @@
           <p:cNvPr id="5" name="页脚占位符 4">
             <a:extLst>
               <a:ext uri="{FF2B5EF4-FFF2-40B4-BE49-F238E27FC236}">
-                <a16:creationId xmlns:a16="http://schemas.microsoft.com/office/drawing/2014/main" id="{6464B5A4-FE7F-ED3E-2BBD-81A015AA9B59}"/>
+                <a16:creationId xmlns:a16="http://schemas.microsoft.com/office/drawing/2014/main" id="{41F5A10C-BD4D-60C2-F543-6AADD71D05C8}"/>
               </a:ext>
             </a:extLst>
           </p:cNvPr>
@@ -2958,7 +2958,7 @@
           <p:cNvPr id="6" name="灯片编号占位符 5">
             <a:extLst>
               <a:ext uri="{FF2B5EF4-FFF2-40B4-BE49-F238E27FC236}">
-                <a16:creationId xmlns:a16="http://schemas.microsoft.com/office/drawing/2014/main" id="{052CBD35-B33F-0B3F-3043-25DF7C05B1F2}"/>
+                <a16:creationId xmlns:a16="http://schemas.microsoft.com/office/drawing/2014/main" id="{A9601422-C49F-C2E2-6F06-4718B3CBFE60}"/>
               </a:ext>
             </a:extLst>
           </p:cNvPr>
@@ -2992,7 +2992,7 @@
             </a:lvl1pPr>
           </a:lstStyle>
           <a:p>
-            <a:fld id="{C3E81ABA-02B2-4196-94A4-8A23C125FFE7}" type="slidenum">
+            <a:fld id="{6BF3B9A2-9411-4950-988E-8B4CFA1DD180}" type="slidenum">
               <a:rPr lang="zh-CN" altLang="en-US" smtClean="0"/>
               <a:t>‹#›</a:t>
             </a:fld>
@@ -3003,7 +3003,7 @@
     </p:spTree>
     <p:extLst>
       <p:ext uri="{BB962C8B-B14F-4D97-AF65-F5344CB8AC3E}">
-        <p14:creationId xmlns:p14="http://schemas.microsoft.com/office/powerpoint/2010/main" val="3600157409"/>
+        <p14:creationId xmlns:p14="http://schemas.microsoft.com/office/powerpoint/2010/main" val="4066046677"/>
       </p:ext>
     </p:extLst>
   </p:cSld>
@@ -3323,7 +3323,7 @@
       </p:grpSpPr>
       <p:pic>
         <p:nvPicPr>
-          <p:cNvPr id="932866" name="Picture 2" descr="910"/>
+          <p:cNvPr id="933890" name="Picture 2" descr="911"/>
           <p:cNvPicPr>
             <a:picLocks noChangeAspect="1" noChangeArrowheads="1"/>
           </p:cNvPicPr>
@@ -3344,8 +3344,8 @@
         </p:blipFill>
         <p:spPr bwMode="auto">
           <a:xfrm>
-            <a:off x="1524000" y="14288"/>
-            <a:ext cx="9124950" cy="6843712"/>
+            <a:off x="1524000" y="0"/>
+            <a:ext cx="9144000" cy="6858000"/>
           </a:xfrm>
           <a:prstGeom prst="rect">
             <a:avLst/>
